--- a/WebApp_screenshoots.pptx
+++ b/WebApp_screenshoots.pptx
@@ -5,11 +5,15 @@
     <p:sldMasterId id="2147483648" r:id="rId1"/>
   </p:sldMasterIdLst>
   <p:sldIdLst>
-    <p:sldId id="257" r:id="rId2"/>
-    <p:sldId id="256" r:id="rId3"/>
-    <p:sldId id="259" r:id="rId4"/>
-    <p:sldId id="260" r:id="rId5"/>
-    <p:sldId id="258" r:id="rId6"/>
+    <p:sldId id="264" r:id="rId2"/>
+    <p:sldId id="262" r:id="rId3"/>
+    <p:sldId id="261" r:id="rId4"/>
+    <p:sldId id="263" r:id="rId5"/>
+    <p:sldId id="257" r:id="rId6"/>
+    <p:sldId id="256" r:id="rId7"/>
+    <p:sldId id="259" r:id="rId8"/>
+    <p:sldId id="260" r:id="rId9"/>
+    <p:sldId id="258" r:id="rId10"/>
   </p:sldIdLst>
   <p:sldSz cx="12192000" cy="6858000"/>
   <p:notesSz cx="6858000" cy="9144000"/>
@@ -108,6 +112,11 @@
       </a:defRPr>
     </a:lvl9pPr>
   </p:defaultTextStyle>
+  <p:extLst>
+    <p:ext uri="{EFAFB233-063F-42B5-8137-9DF3F51BA10A}">
+      <p15:sldGuideLst xmlns:p15="http://schemas.microsoft.com/office/powerpoint/2012/main"/>
+    </p:ext>
+  </p:extLst>
 </p:presentation>
 </file>
 
@@ -312,7 +321,7 @@
           <a:p>
             <a:fld id="{70D9A100-6602-4F28-BF6C-162C2879647F}" type="slidenum">
               <a:rPr lang="it-IT" smtClean="0"/>
-              <a:t>‹N›</a:t>
+              <a:t>‹N°›</a:t>
             </a:fld>
             <a:endParaRPr lang="it-IT"/>
           </a:p>
@@ -510,7 +519,7 @@
           <a:p>
             <a:fld id="{70D9A100-6602-4F28-BF6C-162C2879647F}" type="slidenum">
               <a:rPr lang="it-IT" smtClean="0"/>
-              <a:t>‹N›</a:t>
+              <a:t>‹N°›</a:t>
             </a:fld>
             <a:endParaRPr lang="it-IT"/>
           </a:p>
@@ -718,7 +727,7 @@
           <a:p>
             <a:fld id="{70D9A100-6602-4F28-BF6C-162C2879647F}" type="slidenum">
               <a:rPr lang="it-IT" smtClean="0"/>
-              <a:t>‹N›</a:t>
+              <a:t>‹N°›</a:t>
             </a:fld>
             <a:endParaRPr lang="it-IT"/>
           </a:p>
@@ -916,7 +925,7 @@
           <a:p>
             <a:fld id="{70D9A100-6602-4F28-BF6C-162C2879647F}" type="slidenum">
               <a:rPr lang="it-IT" smtClean="0"/>
-              <a:t>‹N›</a:t>
+              <a:t>‹N°›</a:t>
             </a:fld>
             <a:endParaRPr lang="it-IT"/>
           </a:p>
@@ -1191,7 +1200,7 @@
           <a:p>
             <a:fld id="{70D9A100-6602-4F28-BF6C-162C2879647F}" type="slidenum">
               <a:rPr lang="it-IT" smtClean="0"/>
-              <a:t>‹N›</a:t>
+              <a:t>‹N°›</a:t>
             </a:fld>
             <a:endParaRPr lang="it-IT"/>
           </a:p>
@@ -1456,7 +1465,7 @@
           <a:p>
             <a:fld id="{70D9A100-6602-4F28-BF6C-162C2879647F}" type="slidenum">
               <a:rPr lang="it-IT" smtClean="0"/>
-              <a:t>‹N›</a:t>
+              <a:t>‹N°›</a:t>
             </a:fld>
             <a:endParaRPr lang="it-IT"/>
           </a:p>
@@ -1868,7 +1877,7 @@
           <a:p>
             <a:fld id="{70D9A100-6602-4F28-BF6C-162C2879647F}" type="slidenum">
               <a:rPr lang="it-IT" smtClean="0"/>
-              <a:t>‹N›</a:t>
+              <a:t>‹N°›</a:t>
             </a:fld>
             <a:endParaRPr lang="it-IT"/>
           </a:p>
@@ -2009,7 +2018,7 @@
           <a:p>
             <a:fld id="{70D9A100-6602-4F28-BF6C-162C2879647F}" type="slidenum">
               <a:rPr lang="it-IT" smtClean="0"/>
-              <a:t>‹N›</a:t>
+              <a:t>‹N°›</a:t>
             </a:fld>
             <a:endParaRPr lang="it-IT"/>
           </a:p>
@@ -2122,7 +2131,7 @@
           <a:p>
             <a:fld id="{70D9A100-6602-4F28-BF6C-162C2879647F}" type="slidenum">
               <a:rPr lang="it-IT" smtClean="0"/>
-              <a:t>‹N›</a:t>
+              <a:t>‹N°›</a:t>
             </a:fld>
             <a:endParaRPr lang="it-IT"/>
           </a:p>
@@ -2433,7 +2442,7 @@
           <a:p>
             <a:fld id="{70D9A100-6602-4F28-BF6C-162C2879647F}" type="slidenum">
               <a:rPr lang="it-IT" smtClean="0"/>
-              <a:t>‹N›</a:t>
+              <a:t>‹N°›</a:t>
             </a:fld>
             <a:endParaRPr lang="it-IT"/>
           </a:p>
@@ -2721,7 +2730,7 @@
           <a:p>
             <a:fld id="{70D9A100-6602-4F28-BF6C-162C2879647F}" type="slidenum">
               <a:rPr lang="it-IT" smtClean="0"/>
-              <a:t>‹N›</a:t>
+              <a:t>‹N°›</a:t>
             </a:fld>
             <a:endParaRPr lang="it-IT"/>
           </a:p>
@@ -2998,7 +3007,7 @@
           <a:p>
             <a:fld id="{70D9A100-6602-4F28-BF6C-162C2879647F}" type="slidenum">
               <a:rPr lang="it-IT" smtClean="0"/>
-              <a:t>‹N›</a:t>
+              <a:t>‹N°›</a:t>
             </a:fld>
             <a:endParaRPr lang="it-IT"/>
           </a:p>
@@ -3325,99 +3334,48 @@
           <a:chExt cx="0" cy="0"/>
         </a:xfrm>
       </p:grpSpPr>
-      <p:pic>
-        <p:nvPicPr>
-          <p:cNvPr id="6" name="Immagine 5">
-            <a:extLst>
-              <a:ext uri="{FF2B5EF4-FFF2-40B4-BE49-F238E27FC236}">
-                <a16:creationId xmlns:a16="http://schemas.microsoft.com/office/drawing/2014/main" id="{E705D22F-9CFE-95EE-E5C4-2DB6B2414827}"/>
-              </a:ext>
-            </a:extLst>
-          </p:cNvPr>
-          <p:cNvPicPr>
-            <a:picLocks noChangeAspect="1"/>
-          </p:cNvPicPr>
-          <p:nvPr/>
-        </p:nvPicPr>
-        <p:blipFill>
-          <a:blip r:embed="rId2"/>
-          <a:stretch>
-            <a:fillRect/>
-          </a:stretch>
-        </p:blipFill>
-        <p:spPr>
-          <a:xfrm>
-            <a:off x="649885" y="480532"/>
-            <a:ext cx="6076950" cy="6115050"/>
-          </a:xfrm>
-          <a:prstGeom prst="rect">
-            <a:avLst/>
-          </a:prstGeom>
-        </p:spPr>
-      </p:pic>
-      <p:sp>
-        <p:nvSpPr>
-          <p:cNvPr id="8" name="Scorrimento orizzontale 7">
-            <a:extLst>
-              <a:ext uri="{FF2B5EF4-FFF2-40B4-BE49-F238E27FC236}">
-                <a16:creationId xmlns:a16="http://schemas.microsoft.com/office/drawing/2014/main" id="{4DE5085F-94F7-0B1A-8759-AA28E793769F}"/>
-              </a:ext>
-            </a:extLst>
-          </p:cNvPr>
-          <p:cNvSpPr/>
-          <p:nvPr/>
-        </p:nvSpPr>
-        <p:spPr>
-          <a:xfrm>
-            <a:off x="6954473" y="2845704"/>
-            <a:ext cx="2541864" cy="971287"/>
-          </a:xfrm>
-          <a:prstGeom prst="horizontalScroll">
-            <a:avLst/>
-          </a:prstGeom>
-        </p:spPr>
-        <p:style>
-          <a:lnRef idx="3">
-            <a:schemeClr val="lt1"/>
-          </a:lnRef>
-          <a:fillRef idx="1">
-            <a:schemeClr val="accent6"/>
-          </a:fillRef>
-          <a:effectRef idx="1">
-            <a:schemeClr val="accent6"/>
-          </a:effectRef>
-          <a:fontRef idx="minor">
-            <a:schemeClr val="lt1"/>
-          </a:fontRef>
-        </p:style>
-        <p:txBody>
-          <a:bodyPr rtlCol="0" anchor="ctr"/>
-          <a:lstStyle/>
-          <a:p>
-            <a:pPr algn="ctr"/>
-            <a:r>
-              <a:rPr lang="en-US" sz="1600" b="1" dirty="0"/>
-              <a:t>List of available functions </a:t>
-            </a:r>
-          </a:p>
-          <a:p>
-            <a:pPr algn="ctr"/>
-            <a:r>
-              <a:rPr lang="en-US" sz="1600" b="1" dirty="0"/>
-              <a:t>in the smart contract</a:t>
-            </a:r>
-            <a:endParaRPr lang="it-IT" sz="1600" b="1" dirty="0"/>
-          </a:p>
-          <a:p>
-            <a:pPr algn="ctr"/>
-            <a:endParaRPr lang="it-IT" dirty="0"/>
+      <p:sp>
+        <p:nvSpPr>
+          <p:cNvPr id="2" name="Titre 1"/>
+          <p:cNvSpPr>
+            <a:spLocks noGrp="1"/>
+          </p:cNvSpPr>
+          <p:nvPr>
+            <p:ph type="title"/>
+          </p:nvPr>
+        </p:nvSpPr>
+        <p:spPr/>
+        <p:txBody>
+          <a:bodyPr/>
+          <a:lstStyle/>
+          <a:p>
+            <a:endParaRPr lang="fr-FR" dirty="0"/>
+          </a:p>
+        </p:txBody>
+      </p:sp>
+      <p:sp>
+        <p:nvSpPr>
+          <p:cNvPr id="3" name="Espace réservé du contenu 2"/>
+          <p:cNvSpPr>
+            <a:spLocks noGrp="1"/>
+          </p:cNvSpPr>
+          <p:nvPr>
+            <p:ph idx="1"/>
+          </p:nvPr>
+        </p:nvSpPr>
+        <p:spPr/>
+        <p:txBody>
+          <a:bodyPr/>
+          <a:lstStyle/>
+          <a:p>
+            <a:endParaRPr lang="fr-FR"/>
           </a:p>
         </p:txBody>
       </p:sp>
     </p:spTree>
     <p:extLst>
       <p:ext uri="{BB962C8B-B14F-4D97-AF65-F5344CB8AC3E}">
-        <p14:creationId xmlns:p14="http://schemas.microsoft.com/office/powerpoint/2010/main" val="61852505"/>
+        <p14:creationId xmlns:p14="http://schemas.microsoft.com/office/powerpoint/2010/main" val="1867202258"/>
       </p:ext>
     </p:extLst>
   </p:cSld>
@@ -3444,132 +3402,58 @@
           <a:chExt cx="0" cy="0"/>
         </a:xfrm>
       </p:grpSpPr>
-      <p:pic>
-        <p:nvPicPr>
-          <p:cNvPr id="5" name="Immagine 4">
-            <a:extLst>
-              <a:ext uri="{FF2B5EF4-FFF2-40B4-BE49-F238E27FC236}">
-                <a16:creationId xmlns:a16="http://schemas.microsoft.com/office/drawing/2014/main" id="{286E1D24-D0CC-D7CF-F3B6-FD79720A9B94}"/>
-              </a:ext>
-            </a:extLst>
-          </p:cNvPr>
-          <p:cNvPicPr>
-            <a:picLocks noChangeAspect="1"/>
-          </p:cNvPicPr>
+      <p:sp>
+        <p:nvSpPr>
+          <p:cNvPr id="4" name="ZoneTexte 3"/>
+          <p:cNvSpPr txBox="1"/>
           <p:nvPr/>
-        </p:nvPicPr>
-        <p:blipFill>
-          <a:blip r:embed="rId2"/>
-          <a:stretch>
-            <a:fillRect/>
-          </a:stretch>
-        </p:blipFill>
+        </p:nvSpPr>
         <p:spPr>
           <a:xfrm>
-            <a:off x="721671" y="370776"/>
-            <a:ext cx="5184179" cy="4797735"/>
+            <a:off x="405902" y="179279"/>
+            <a:ext cx="3278398" cy="1077218"/>
           </a:xfrm>
           <a:prstGeom prst="rect">
             <a:avLst/>
           </a:prstGeom>
-        </p:spPr>
-      </p:pic>
-      <p:sp>
-        <p:nvSpPr>
-          <p:cNvPr id="6" name="Scorrimento orizzontale 5">
-            <a:extLst>
-              <a:ext uri="{FF2B5EF4-FFF2-40B4-BE49-F238E27FC236}">
-                <a16:creationId xmlns:a16="http://schemas.microsoft.com/office/drawing/2014/main" id="{FAF086D0-EBDF-E2A1-C843-EFB8CD818409}"/>
-              </a:ext>
-            </a:extLst>
-          </p:cNvPr>
-          <p:cNvSpPr/>
-          <p:nvPr/>
-        </p:nvSpPr>
-        <p:spPr>
-          <a:xfrm>
-            <a:off x="1937857" y="5446291"/>
-            <a:ext cx="2541864" cy="971287"/>
-          </a:xfrm>
-          <a:prstGeom prst="horizontalScroll">
-            <a:avLst/>
-          </a:prstGeom>
-        </p:spPr>
-        <p:style>
-          <a:lnRef idx="3">
-            <a:schemeClr val="lt1"/>
-          </a:lnRef>
-          <a:fillRef idx="1">
-            <a:schemeClr val="accent6"/>
-          </a:fillRef>
-          <a:effectRef idx="1">
-            <a:schemeClr val="accent6"/>
-          </a:effectRef>
-          <a:fontRef idx="minor">
-            <a:schemeClr val="lt1"/>
-          </a:fontRef>
-        </p:style>
-        <p:txBody>
-          <a:bodyPr rtlCol="0" anchor="ctr"/>
-          <a:lstStyle/>
-          <a:p>
-            <a:pPr algn="ctr"/>
-            <a:r>
-              <a:rPr lang="it-IT" sz="1600" b="1" dirty="0" err="1"/>
-              <a:t>getAllPatients</a:t>
-            </a:r>
-            <a:endParaRPr lang="it-IT" sz="1600" b="1" dirty="0"/>
-          </a:p>
-          <a:p>
-            <a:pPr algn="ctr"/>
-            <a:r>
-              <a:rPr lang="it-IT" sz="1600" b="1" dirty="0" err="1"/>
-              <a:t>Function</a:t>
-            </a:r>
-            <a:r>
-              <a:rPr lang="it-IT" sz="1600" b="1" dirty="0"/>
-              <a:t> call</a:t>
-            </a:r>
-          </a:p>
-          <a:p>
-            <a:pPr algn="ctr"/>
-            <a:endParaRPr lang="it-IT" dirty="0"/>
-          </a:p>
-        </p:txBody>
-      </p:sp>
-      <p:pic>
-        <p:nvPicPr>
-          <p:cNvPr id="7" name="Immagine 6">
-            <a:extLst>
-              <a:ext uri="{FF2B5EF4-FFF2-40B4-BE49-F238E27FC236}">
-                <a16:creationId xmlns:a16="http://schemas.microsoft.com/office/drawing/2014/main" id="{6EFB1E86-CA2D-6383-A706-6A823F4273A0}"/>
-              </a:ext>
-            </a:extLst>
-          </p:cNvPr>
-          <p:cNvPicPr>
-            <a:picLocks noChangeAspect="1"/>
-          </p:cNvPicPr>
-          <p:nvPr/>
-        </p:nvPicPr>
-        <p:blipFill rotWithShape="1">
-          <a:blip r:embed="rId3"/>
-          <a:srcRect r="62084"/>
-          <a:stretch/>
-        </p:blipFill>
-        <p:spPr>
-          <a:xfrm>
-            <a:off x="6286152" y="456020"/>
-            <a:ext cx="5491991" cy="5826023"/>
-          </a:xfrm>
-          <a:prstGeom prst="rect">
-            <a:avLst/>
-          </a:prstGeom>
-        </p:spPr>
-      </p:pic>
+          <a:noFill/>
+        </p:spPr>
+        <p:txBody>
+          <a:bodyPr wrap="none" rtlCol="0">
+            <a:spAutoFit/>
+          </a:bodyPr>
+          <a:lstStyle/>
+          <a:p>
+            <a:r>
+              <a:rPr lang="en-US" sz="2800" b="1" dirty="0" smtClean="0">
+                <a:latin typeface="Times New Roman" panose="02020603050405020304" pitchFamily="18" charset="0"/>
+                <a:cs typeface="Times New Roman" panose="02020603050405020304" pitchFamily="18" charset="0"/>
+              </a:rPr>
+              <a:t>Project Description:</a:t>
+            </a:r>
+            <a:endParaRPr lang="en-US" sz="2800" b="1" dirty="0">
+              <a:latin typeface="Times New Roman" panose="02020603050405020304" pitchFamily="18" charset="0"/>
+              <a:cs typeface="Times New Roman" panose="02020603050405020304" pitchFamily="18" charset="0"/>
+            </a:endParaRPr>
+          </a:p>
+          <a:p>
+            <a:endParaRPr lang="en-US" dirty="0" smtClean="0">
+              <a:latin typeface="Times New Roman" panose="02020603050405020304" pitchFamily="18" charset="0"/>
+              <a:cs typeface="Times New Roman" panose="02020603050405020304" pitchFamily="18" charset="0"/>
+            </a:endParaRPr>
+          </a:p>
+          <a:p>
+            <a:endParaRPr lang="fr-FR" dirty="0">
+              <a:latin typeface="Times New Roman" panose="02020603050405020304" pitchFamily="18" charset="0"/>
+              <a:cs typeface="Times New Roman" panose="02020603050405020304" pitchFamily="18" charset="0"/>
+            </a:endParaRPr>
+          </a:p>
+        </p:txBody>
+      </p:sp>
     </p:spTree>
     <p:extLst>
       <p:ext uri="{BB962C8B-B14F-4D97-AF65-F5344CB8AC3E}">
-        <p14:creationId xmlns:p14="http://schemas.microsoft.com/office/powerpoint/2010/main" val="79182835"/>
+        <p14:creationId xmlns:p14="http://schemas.microsoft.com/office/powerpoint/2010/main" val="2493108592"/>
       </p:ext>
     </p:extLst>
   </p:cSld>
@@ -3598,13 +3482,7 @@
       </p:grpSpPr>
       <p:pic>
         <p:nvPicPr>
-          <p:cNvPr id="4" name="Immagine 3">
-            <a:extLst>
-              <a:ext uri="{FF2B5EF4-FFF2-40B4-BE49-F238E27FC236}">
-                <a16:creationId xmlns:a16="http://schemas.microsoft.com/office/drawing/2014/main" id="{ADD4BBBB-56E1-C207-EA1F-7785A7C8A8FC}"/>
-              </a:ext>
-            </a:extLst>
-          </p:cNvPr>
+          <p:cNvPr id="5" name="Image 4"/>
           <p:cNvPicPr>
             <a:picLocks noChangeAspect="1"/>
           </p:cNvPicPr>
@@ -3618,23 +3496,58 @@
         </p:blipFill>
         <p:spPr>
           <a:xfrm>
-            <a:off x="1306192" y="1149291"/>
-            <a:ext cx="5243362" cy="4831971"/>
+            <a:off x="6653268" y="448312"/>
+            <a:ext cx="5443158" cy="5898719"/>
           </a:xfrm>
           <a:prstGeom prst="rect">
             <a:avLst/>
           </a:prstGeom>
         </p:spPr>
       </p:pic>
+      <p:sp>
+        <p:nvSpPr>
+          <p:cNvPr id="6" name="Rectangle 5"/>
+          <p:cNvSpPr/>
+          <p:nvPr/>
+        </p:nvSpPr>
+        <p:spPr>
+          <a:xfrm>
+            <a:off x="6628497" y="351837"/>
+            <a:ext cx="5467928" cy="6364649"/>
+          </a:xfrm>
+          <a:prstGeom prst="rect">
+            <a:avLst/>
+          </a:prstGeom>
+          <a:noFill/>
+        </p:spPr>
+        <p:style>
+          <a:lnRef idx="2">
+            <a:schemeClr val="accent1">
+              <a:shade val="50000"/>
+            </a:schemeClr>
+          </a:lnRef>
+          <a:fillRef idx="1">
+            <a:schemeClr val="accent1"/>
+          </a:fillRef>
+          <a:effectRef idx="0">
+            <a:schemeClr val="accent1"/>
+          </a:effectRef>
+          <a:fontRef idx="minor">
+            <a:schemeClr val="lt1"/>
+          </a:fontRef>
+        </p:style>
+        <p:txBody>
+          <a:bodyPr rtlCol="0" anchor="ctr"/>
+          <a:lstStyle/>
+          <a:p>
+            <a:pPr algn="ctr"/>
+            <a:endParaRPr lang="fr-FR"/>
+          </a:p>
+        </p:txBody>
+      </p:sp>
       <p:pic>
         <p:nvPicPr>
-          <p:cNvPr id="6" name="Immagine 5">
-            <a:extLst>
-              <a:ext uri="{FF2B5EF4-FFF2-40B4-BE49-F238E27FC236}">
-                <a16:creationId xmlns:a16="http://schemas.microsoft.com/office/drawing/2014/main" id="{0CA910E2-E4AA-6CFF-D3B5-2A5996C045B1}"/>
-              </a:ext>
-            </a:extLst>
-          </p:cNvPr>
+          <p:cNvPr id="7" name="Image 6"/>
           <p:cNvPicPr>
             <a:picLocks noChangeAspect="1"/>
           </p:cNvPicPr>
@@ -3648,8 +3561,8 @@
         </p:blipFill>
         <p:spPr>
           <a:xfrm>
-            <a:off x="7287674" y="2819399"/>
-            <a:ext cx="4745208" cy="1526097"/>
+            <a:off x="8060134" y="6272678"/>
+            <a:ext cx="3084946" cy="364960"/>
           </a:xfrm>
           <a:prstGeom prst="rect">
             <a:avLst/>
@@ -3658,34 +3571,36 @@
       </p:pic>
       <p:sp>
         <p:nvSpPr>
-          <p:cNvPr id="7" name="Scorrimento orizzontale 6">
-            <a:extLst>
-              <a:ext uri="{FF2B5EF4-FFF2-40B4-BE49-F238E27FC236}">
-                <a16:creationId xmlns:a16="http://schemas.microsoft.com/office/drawing/2014/main" id="{DCFE4CD8-A836-78C8-C8A0-527828EC1746}"/>
-              </a:ext>
-            </a:extLst>
-          </p:cNvPr>
+          <p:cNvPr id="8" name="Double flèche horizontale 7"/>
           <p:cNvSpPr/>
           <p:nvPr/>
         </p:nvSpPr>
         <p:spPr>
           <a:xfrm>
-            <a:off x="7287674" y="1327297"/>
-            <a:ext cx="2541864" cy="971287"/>
-          </a:xfrm>
-          <a:prstGeom prst="horizontalScroll">
+            <a:off x="5170828" y="3419105"/>
+            <a:ext cx="1482440" cy="277091"/>
+          </a:xfrm>
+          <a:prstGeom prst="leftRightArrow">
             <a:avLst/>
           </a:prstGeom>
+          <a:noFill/>
+          <a:ln w="19050">
+            <a:solidFill>
+              <a:schemeClr val="tx2"/>
+            </a:solidFill>
+          </a:ln>
         </p:spPr>
         <p:style>
-          <a:lnRef idx="3">
-            <a:schemeClr val="lt1"/>
+          <a:lnRef idx="2">
+            <a:schemeClr val="accent1">
+              <a:shade val="50000"/>
+            </a:schemeClr>
           </a:lnRef>
           <a:fillRef idx="1">
-            <a:schemeClr val="accent6"/>
+            <a:schemeClr val="accent1"/>
           </a:fillRef>
-          <a:effectRef idx="1">
-            <a:schemeClr val="accent6"/>
+          <a:effectRef idx="0">
+            <a:schemeClr val="accent1"/>
           </a:effectRef>
           <a:fontRef idx="minor">
             <a:schemeClr val="lt1"/>
@@ -3696,30 +3611,553 @@
           <a:lstStyle/>
           <a:p>
             <a:pPr algn="ctr"/>
-            <a:r>
-              <a:rPr lang="it-IT" sz="1600" b="1" dirty="0" err="1"/>
-              <a:t>Patient</a:t>
-            </a:r>
-            <a:r>
-              <a:rPr lang="it-IT" sz="1600" b="1" dirty="0"/>
+            <a:endParaRPr lang="fr-FR">
+              <a:solidFill>
+                <a:schemeClr val="accent1">
+                  <a:lumMod val="75000"/>
+                </a:schemeClr>
+              </a:solidFill>
+            </a:endParaRPr>
+          </a:p>
+        </p:txBody>
+      </p:sp>
+      <p:sp>
+        <p:nvSpPr>
+          <p:cNvPr id="9" name="Rectangle 8"/>
+          <p:cNvSpPr/>
+          <p:nvPr/>
+        </p:nvSpPr>
+        <p:spPr>
+          <a:xfrm>
+            <a:off x="3729955" y="3169722"/>
+            <a:ext cx="1440873" cy="775855"/>
+          </a:xfrm>
+          <a:prstGeom prst="rect">
+            <a:avLst/>
+          </a:prstGeom>
+          <a:noFill/>
+          <a:ln w="19050"/>
+        </p:spPr>
+        <p:style>
+          <a:lnRef idx="2">
+            <a:schemeClr val="accent1">
+              <a:shade val="50000"/>
+            </a:schemeClr>
+          </a:lnRef>
+          <a:fillRef idx="1">
+            <a:schemeClr val="accent1"/>
+          </a:fillRef>
+          <a:effectRef idx="0">
+            <a:schemeClr val="accent1"/>
+          </a:effectRef>
+          <a:fontRef idx="minor">
+            <a:schemeClr val="lt1"/>
+          </a:fontRef>
+        </p:style>
+        <p:txBody>
+          <a:bodyPr rtlCol="0" anchor="ctr"/>
+          <a:lstStyle/>
+          <a:p>
+            <a:pPr algn="ctr"/>
+            <a:endParaRPr lang="fr-FR"/>
+          </a:p>
+        </p:txBody>
+      </p:sp>
+      <p:sp>
+        <p:nvSpPr>
+          <p:cNvPr id="10" name="ZoneTexte 9"/>
+          <p:cNvSpPr txBox="1"/>
+          <p:nvPr/>
+        </p:nvSpPr>
+        <p:spPr>
+          <a:xfrm>
+            <a:off x="3887120" y="3296086"/>
+            <a:ext cx="1084977" cy="400110"/>
+          </a:xfrm>
+          <a:prstGeom prst="rect">
+            <a:avLst/>
+          </a:prstGeom>
+          <a:noFill/>
+        </p:spPr>
+        <p:txBody>
+          <a:bodyPr wrap="none" rtlCol="0">
+            <a:spAutoFit/>
+          </a:bodyPr>
+          <a:lstStyle/>
+          <a:p>
+            <a:r>
+              <a:rPr lang="fr-FR" sz="2000" b="1" dirty="0" err="1" smtClean="0">
+                <a:solidFill>
+                  <a:schemeClr val="accent1">
+                    <a:lumMod val="50000"/>
+                  </a:schemeClr>
+                </a:solidFill>
+              </a:rPr>
+              <a:t>Backend</a:t>
+            </a:r>
+            <a:endParaRPr lang="fr-FR" sz="2000" b="1" dirty="0">
+              <a:solidFill>
+                <a:schemeClr val="accent1">
+                  <a:lumMod val="50000"/>
+                </a:schemeClr>
+              </a:solidFill>
+            </a:endParaRPr>
+          </a:p>
+        </p:txBody>
+      </p:sp>
+      <p:sp>
+        <p:nvSpPr>
+          <p:cNvPr id="11" name="Double flèche horizontale 10"/>
+          <p:cNvSpPr/>
+          <p:nvPr/>
+        </p:nvSpPr>
+        <p:spPr>
+          <a:xfrm>
+            <a:off x="1790319" y="3419103"/>
+            <a:ext cx="1939636" cy="277093"/>
+          </a:xfrm>
+          <a:prstGeom prst="leftRightArrow">
+            <a:avLst/>
+          </a:prstGeom>
+          <a:noFill/>
+          <a:ln w="19050">
+            <a:solidFill>
+              <a:schemeClr val="tx2"/>
+            </a:solidFill>
+          </a:ln>
+        </p:spPr>
+        <p:style>
+          <a:lnRef idx="2">
+            <a:schemeClr val="accent1">
+              <a:shade val="50000"/>
+            </a:schemeClr>
+          </a:lnRef>
+          <a:fillRef idx="1">
+            <a:schemeClr val="accent1"/>
+          </a:fillRef>
+          <a:effectRef idx="0">
+            <a:schemeClr val="accent1"/>
+          </a:effectRef>
+          <a:fontRef idx="minor">
+            <a:schemeClr val="lt1"/>
+          </a:fontRef>
+        </p:style>
+        <p:txBody>
+          <a:bodyPr rtlCol="0" anchor="ctr"/>
+          <a:lstStyle/>
+          <a:p>
+            <a:pPr algn="ctr"/>
+            <a:endParaRPr lang="fr-FR">
+              <a:solidFill>
+                <a:schemeClr val="accent1">
+                  <a:lumMod val="75000"/>
+                </a:schemeClr>
+              </a:solidFill>
+            </a:endParaRPr>
+          </a:p>
+        </p:txBody>
+      </p:sp>
+      <p:sp>
+        <p:nvSpPr>
+          <p:cNvPr id="12" name="Rectangle 11"/>
+          <p:cNvSpPr/>
+          <p:nvPr/>
+        </p:nvSpPr>
+        <p:spPr>
+          <a:xfrm>
+            <a:off x="144570" y="3183577"/>
+            <a:ext cx="1645749" cy="775855"/>
+          </a:xfrm>
+          <a:prstGeom prst="rect">
+            <a:avLst/>
+          </a:prstGeom>
+          <a:noFill/>
+          <a:ln w="19050"/>
+        </p:spPr>
+        <p:style>
+          <a:lnRef idx="2">
+            <a:schemeClr val="accent1">
+              <a:shade val="50000"/>
+            </a:schemeClr>
+          </a:lnRef>
+          <a:fillRef idx="1">
+            <a:schemeClr val="accent1"/>
+          </a:fillRef>
+          <a:effectRef idx="0">
+            <a:schemeClr val="accent1"/>
+          </a:effectRef>
+          <a:fontRef idx="minor">
+            <a:schemeClr val="lt1"/>
+          </a:fontRef>
+        </p:style>
+        <p:txBody>
+          <a:bodyPr rtlCol="0" anchor="ctr"/>
+          <a:lstStyle/>
+          <a:p>
+            <a:pPr algn="ctr"/>
+            <a:endParaRPr lang="fr-FR"/>
+          </a:p>
+        </p:txBody>
+      </p:sp>
+      <p:sp>
+        <p:nvSpPr>
+          <p:cNvPr id="13" name="ZoneTexte 12"/>
+          <p:cNvSpPr txBox="1"/>
+          <p:nvPr/>
+        </p:nvSpPr>
+        <p:spPr>
+          <a:xfrm>
+            <a:off x="87086" y="3334106"/>
+            <a:ext cx="1690847" cy="400110"/>
+          </a:xfrm>
+          <a:prstGeom prst="rect">
+            <a:avLst/>
+          </a:prstGeom>
+          <a:noFill/>
+        </p:spPr>
+        <p:txBody>
+          <a:bodyPr wrap="none" rtlCol="0">
+            <a:spAutoFit/>
+          </a:bodyPr>
+          <a:lstStyle/>
+          <a:p>
+            <a:r>
+              <a:rPr lang="fr-FR" sz="2000" b="1" dirty="0" smtClean="0">
+                <a:solidFill>
+                  <a:schemeClr val="accent1">
+                    <a:lumMod val="50000"/>
+                  </a:schemeClr>
+                </a:solidFill>
+              </a:rPr>
+              <a:t>Application UI</a:t>
+            </a:r>
+            <a:endParaRPr lang="fr-FR" sz="2000" b="1" dirty="0">
+              <a:solidFill>
+                <a:schemeClr val="accent1">
+                  <a:lumMod val="50000"/>
+                </a:schemeClr>
+              </a:solidFill>
+            </a:endParaRPr>
+          </a:p>
+        </p:txBody>
+      </p:sp>
+      <p:sp>
+        <p:nvSpPr>
+          <p:cNvPr id="14" name="AutoShape 2" descr="User Icon Vector Art, Icons, and Graphics for Free Download"/>
+          <p:cNvSpPr>
+            <a:spLocks noChangeAspect="1" noChangeArrowheads="1"/>
+          </p:cNvSpPr>
+          <p:nvPr/>
+        </p:nvSpPr>
+        <p:spPr bwMode="auto">
+          <a:xfrm>
+            <a:off x="1777933" y="1519733"/>
+            <a:ext cx="814274" cy="814277"/>
+          </a:xfrm>
+          <a:prstGeom prst="rect">
+            <a:avLst/>
+          </a:prstGeom>
+          <a:noFill/>
+          <a:extLst>
+            <a:ext uri="{909E8E84-426E-40DD-AFC4-6F175D3DCCD1}">
+              <a14:hiddenFill xmlns:a14="http://schemas.microsoft.com/office/drawing/2010/main">
+                <a:solidFill>
+                  <a:srgbClr val="FFFFFF"/>
+                </a:solidFill>
+              </a14:hiddenFill>
+            </a:ext>
+          </a:extLst>
+        </p:spPr>
+        <p:txBody>
+          <a:bodyPr vert="horz" wrap="square" lIns="91440" tIns="45720" rIns="91440" bIns="45720" numCol="1" anchor="t" anchorCtr="0" compatLnSpc="1">
+            <a:prstTxWarp prst="textNoShape">
+              <a:avLst/>
+            </a:prstTxWarp>
+          </a:bodyPr>
+          <a:lstStyle/>
+          <a:p>
+            <a:endParaRPr lang="fr-FR"/>
+          </a:p>
+        </p:txBody>
+      </p:sp>
+      <p:pic>
+        <p:nvPicPr>
+          <p:cNvPr id="1030" name="Picture 6" descr="User Icon Vector Art, Icons, and Graphics for Free Download"/>
+          <p:cNvPicPr>
+            <a:picLocks noChangeAspect="1" noChangeArrowheads="1"/>
+          </p:cNvPicPr>
+          <p:nvPr/>
+        </p:nvPicPr>
+        <p:blipFill>
+          <a:blip r:embed="rId4" cstate="hqprint">
+            <a:extLst>
+              <a:ext uri="{28A0092B-C50C-407E-A947-70E740481C1C}">
+                <a14:useLocalDpi xmlns:a14="http://schemas.microsoft.com/office/drawing/2010/main" val="0"/>
+              </a:ext>
+            </a:extLst>
+          </a:blip>
+          <a:srcRect/>
+          <a:stretch>
+            <a:fillRect/>
+          </a:stretch>
+        </p:blipFill>
+        <p:spPr bwMode="auto">
+          <a:xfrm>
+            <a:off x="405902" y="1423687"/>
+            <a:ext cx="1123084" cy="1123084"/>
+          </a:xfrm>
+          <a:prstGeom prst="rect">
+            <a:avLst/>
+          </a:prstGeom>
+          <a:noFill/>
+          <a:extLst>
+            <a:ext uri="{909E8E84-426E-40DD-AFC4-6F175D3DCCD1}">
+              <a14:hiddenFill xmlns:a14="http://schemas.microsoft.com/office/drawing/2010/main">
+                <a:solidFill>
+                  <a:srgbClr val="FFFFFF"/>
+                </a:solidFill>
+              </a14:hiddenFill>
+            </a:ext>
+          </a:extLst>
+        </p:spPr>
+      </p:pic>
+      <p:cxnSp>
+        <p:nvCxnSpPr>
+          <p:cNvPr id="17" name="Connecteur droit avec flèche 16"/>
+          <p:cNvCxnSpPr>
+            <a:stCxn id="1030" idx="2"/>
+            <a:endCxn id="12" idx="0"/>
+          </p:cNvCxnSpPr>
+          <p:nvPr/>
+        </p:nvCxnSpPr>
+        <p:spPr>
+          <a:xfrm>
+            <a:off x="967444" y="2546771"/>
+            <a:ext cx="1" cy="636806"/>
+          </a:xfrm>
+          <a:prstGeom prst="straightConnector1">
+            <a:avLst/>
+          </a:prstGeom>
+          <a:ln w="28575">
+            <a:tailEnd type="triangle"/>
+          </a:ln>
+        </p:spPr>
+        <p:style>
+          <a:lnRef idx="1">
+            <a:schemeClr val="accent1"/>
+          </a:lnRef>
+          <a:fillRef idx="0">
+            <a:schemeClr val="accent1"/>
+          </a:fillRef>
+          <a:effectRef idx="0">
+            <a:schemeClr val="accent1"/>
+          </a:effectRef>
+          <a:fontRef idx="minor">
+            <a:schemeClr val="tx1"/>
+          </a:fontRef>
+        </p:style>
+      </p:cxnSp>
+      <p:sp>
+        <p:nvSpPr>
+          <p:cNvPr id="20" name="ZoneTexte 19"/>
+          <p:cNvSpPr txBox="1"/>
+          <p:nvPr/>
+        </p:nvSpPr>
+        <p:spPr>
+          <a:xfrm>
+            <a:off x="3732660" y="4042052"/>
+            <a:ext cx="2920607" cy="523220"/>
+          </a:xfrm>
+          <a:prstGeom prst="rect">
+            <a:avLst/>
+          </a:prstGeom>
+          <a:noFill/>
+        </p:spPr>
+        <p:txBody>
+          <a:bodyPr wrap="none" rtlCol="0">
+            <a:spAutoFit/>
+          </a:bodyPr>
+          <a:lstStyle/>
+          <a:p>
+            <a:pPr algn="ctr"/>
+            <a:r>
+              <a:rPr lang="fr-FR" sz="1400" b="1" dirty="0" err="1" smtClean="0"/>
+              <a:t>Backend</a:t>
+            </a:r>
+            <a:r>
+              <a:rPr lang="fr-FR" sz="1400" b="1" dirty="0" smtClean="0"/>
+              <a:t> calls </a:t>
+            </a:r>
+            <a:r>
+              <a:rPr lang="fr-FR" sz="1400" b="1" dirty="0" err="1" smtClean="0"/>
+              <a:t>fabric</a:t>
+            </a:r>
+            <a:r>
+              <a:rPr lang="fr-FR" sz="1400" b="1" dirty="0" smtClean="0"/>
               <a:t> </a:t>
             </a:r>
             <a:r>
-              <a:rPr lang="it-IT" sz="1600" b="1" dirty="0" err="1"/>
-              <a:t>Registration</a:t>
-            </a:r>
-            <a:endParaRPr lang="it-IT" sz="1600" b="1" dirty="0"/>
+              <a:rPr lang="fr-FR" sz="1400" b="1" dirty="0" err="1" smtClean="0"/>
+              <a:t>commands</a:t>
+            </a:r>
+            <a:endParaRPr lang="fr-FR" sz="1400" b="1" dirty="0" smtClean="0"/>
           </a:p>
           <a:p>
             <a:pPr algn="ctr"/>
-            <a:endParaRPr lang="it-IT" dirty="0"/>
+            <a:r>
+              <a:rPr lang="fr-FR" sz="1400" b="1" dirty="0" smtClean="0"/>
+              <a:t> to </a:t>
+            </a:r>
+            <a:r>
+              <a:rPr lang="fr-FR" sz="1400" b="1" dirty="0" err="1" smtClean="0"/>
+              <a:t>deploy</a:t>
+            </a:r>
+            <a:r>
+              <a:rPr lang="fr-FR" sz="1400" b="1" dirty="0" smtClean="0"/>
+              <a:t>, invoque, </a:t>
+            </a:r>
+            <a:r>
+              <a:rPr lang="fr-FR" sz="1400" b="1" dirty="0" err="1" smtClean="0"/>
+              <a:t>query</a:t>
+            </a:r>
+            <a:r>
+              <a:rPr lang="fr-FR" sz="1400" b="1" dirty="0" smtClean="0"/>
+              <a:t> </a:t>
+            </a:r>
+            <a:r>
+              <a:rPr lang="fr-FR" sz="1400" b="1" dirty="0" err="1" smtClean="0"/>
+              <a:t>chaincode</a:t>
+            </a:r>
+            <a:endParaRPr lang="fr-FR" sz="1400" b="1" dirty="0"/>
+          </a:p>
+        </p:txBody>
+      </p:sp>
+      <p:sp>
+        <p:nvSpPr>
+          <p:cNvPr id="24" name="ZoneTexte 23"/>
+          <p:cNvSpPr txBox="1"/>
+          <p:nvPr/>
+        </p:nvSpPr>
+        <p:spPr>
+          <a:xfrm>
+            <a:off x="1040128" y="2428645"/>
+            <a:ext cx="3893053" cy="523220"/>
+          </a:xfrm>
+          <a:prstGeom prst="rect">
+            <a:avLst/>
+          </a:prstGeom>
+          <a:noFill/>
+        </p:spPr>
+        <p:txBody>
+          <a:bodyPr wrap="none" rtlCol="0">
+            <a:spAutoFit/>
+          </a:bodyPr>
+          <a:lstStyle/>
+          <a:p>
+            <a:pPr algn="ctr"/>
+            <a:r>
+              <a:rPr lang="fr-FR" sz="1400" b="1" dirty="0" smtClean="0"/>
+              <a:t>User select the </a:t>
+            </a:r>
+            <a:r>
+              <a:rPr lang="fr-FR" sz="1400" b="1" dirty="0" err="1" smtClean="0"/>
+              <a:t>chaincode</a:t>
+            </a:r>
+            <a:r>
+              <a:rPr lang="fr-FR" sz="1400" b="1" dirty="0" smtClean="0"/>
+              <a:t> </a:t>
+            </a:r>
+            <a:r>
+              <a:rPr lang="fr-FR" sz="1400" b="1" dirty="0" err="1" smtClean="0"/>
+              <a:t>from</a:t>
+            </a:r>
+            <a:r>
+              <a:rPr lang="fr-FR" sz="1400" b="1" dirty="0" smtClean="0"/>
+              <a:t> the application UI </a:t>
+            </a:r>
+          </a:p>
+          <a:p>
+            <a:pPr algn="ctr"/>
+            <a:r>
+              <a:rPr lang="fr-FR" sz="1400" b="1" dirty="0" smtClean="0"/>
+              <a:t>and </a:t>
+            </a:r>
+            <a:r>
+              <a:rPr lang="fr-FR" sz="1400" b="1" dirty="0" err="1" smtClean="0"/>
+              <a:t>submit</a:t>
+            </a:r>
+            <a:r>
+              <a:rPr lang="fr-FR" sz="1400" b="1" dirty="0" smtClean="0"/>
+              <a:t> </a:t>
+            </a:r>
+            <a:r>
+              <a:rPr lang="fr-FR" sz="1400" b="1" dirty="0" err="1" smtClean="0"/>
+              <a:t>it</a:t>
+            </a:r>
+            <a:r>
+              <a:rPr lang="fr-FR" sz="1400" b="1" dirty="0" smtClean="0"/>
+              <a:t> to the </a:t>
+            </a:r>
+            <a:r>
+              <a:rPr lang="fr-FR" sz="1400" b="1" dirty="0" err="1" smtClean="0"/>
+              <a:t>backend</a:t>
+            </a:r>
+            <a:endParaRPr lang="fr-FR" sz="1400" b="1" dirty="0"/>
+          </a:p>
+        </p:txBody>
+      </p:sp>
+      <p:sp>
+        <p:nvSpPr>
+          <p:cNvPr id="25" name="ZoneTexte 24"/>
+          <p:cNvSpPr txBox="1"/>
+          <p:nvPr/>
+        </p:nvSpPr>
+        <p:spPr>
+          <a:xfrm>
+            <a:off x="405902" y="179279"/>
+            <a:ext cx="3028393" cy="1077218"/>
+          </a:xfrm>
+          <a:prstGeom prst="rect">
+            <a:avLst/>
+          </a:prstGeom>
+          <a:noFill/>
+        </p:spPr>
+        <p:txBody>
+          <a:bodyPr wrap="none" rtlCol="0">
+            <a:spAutoFit/>
+          </a:bodyPr>
+          <a:lstStyle/>
+          <a:p>
+            <a:r>
+              <a:rPr lang="en-US" sz="2800" b="1" dirty="0" smtClean="0">
+                <a:latin typeface="Times New Roman" panose="02020603050405020304" pitchFamily="18" charset="0"/>
+                <a:cs typeface="Times New Roman" panose="02020603050405020304" pitchFamily="18" charset="0"/>
+              </a:rPr>
+              <a:t>Network diagram:</a:t>
+            </a:r>
+            <a:endParaRPr lang="en-US" sz="2800" b="1" dirty="0">
+              <a:latin typeface="Times New Roman" panose="02020603050405020304" pitchFamily="18" charset="0"/>
+              <a:cs typeface="Times New Roman" panose="02020603050405020304" pitchFamily="18" charset="0"/>
+            </a:endParaRPr>
+          </a:p>
+          <a:p>
+            <a:endParaRPr lang="en-US" dirty="0" smtClean="0">
+              <a:latin typeface="Times New Roman" panose="02020603050405020304" pitchFamily="18" charset="0"/>
+              <a:cs typeface="Times New Roman" panose="02020603050405020304" pitchFamily="18" charset="0"/>
+            </a:endParaRPr>
+          </a:p>
+          <a:p>
+            <a:endParaRPr lang="fr-FR" dirty="0">
+              <a:latin typeface="Times New Roman" panose="02020603050405020304" pitchFamily="18" charset="0"/>
+              <a:cs typeface="Times New Roman" panose="02020603050405020304" pitchFamily="18" charset="0"/>
+            </a:endParaRPr>
           </a:p>
         </p:txBody>
       </p:sp>
     </p:spTree>
     <p:extLst>
       <p:ext uri="{BB962C8B-B14F-4D97-AF65-F5344CB8AC3E}">
-        <p14:creationId xmlns:p14="http://schemas.microsoft.com/office/powerpoint/2010/main" val="882778128"/>
+        <p14:creationId xmlns:p14="http://schemas.microsoft.com/office/powerpoint/2010/main" val="3753943136"/>
       </p:ext>
     </p:extLst>
   </p:cSld>
@@ -3746,12 +4184,90 @@
           <a:chExt cx="0" cy="0"/>
         </a:xfrm>
       </p:grpSpPr>
+      <p:sp>
+        <p:nvSpPr>
+          <p:cNvPr id="4" name="ZoneTexte 3"/>
+          <p:cNvSpPr txBox="1"/>
+          <p:nvPr/>
+        </p:nvSpPr>
+        <p:spPr>
+          <a:xfrm>
+            <a:off x="405902" y="179279"/>
+            <a:ext cx="1919115" cy="1077218"/>
+          </a:xfrm>
+          <a:prstGeom prst="rect">
+            <a:avLst/>
+          </a:prstGeom>
+          <a:noFill/>
+        </p:spPr>
+        <p:txBody>
+          <a:bodyPr wrap="none" rtlCol="0">
+            <a:spAutoFit/>
+          </a:bodyPr>
+          <a:lstStyle/>
+          <a:p>
+            <a:r>
+              <a:rPr lang="en-US" sz="2800" b="1" dirty="0" smtClean="0">
+                <a:latin typeface="Times New Roman" panose="02020603050405020304" pitchFamily="18" charset="0"/>
+                <a:cs typeface="Times New Roman" panose="02020603050405020304" pitchFamily="18" charset="0"/>
+              </a:rPr>
+              <a:t>Use Cases :</a:t>
+            </a:r>
+            <a:endParaRPr lang="en-US" sz="2800" b="1" dirty="0">
+              <a:latin typeface="Times New Roman" panose="02020603050405020304" pitchFamily="18" charset="0"/>
+              <a:cs typeface="Times New Roman" panose="02020603050405020304" pitchFamily="18" charset="0"/>
+            </a:endParaRPr>
+          </a:p>
+          <a:p>
+            <a:endParaRPr lang="en-US" dirty="0" smtClean="0">
+              <a:latin typeface="Times New Roman" panose="02020603050405020304" pitchFamily="18" charset="0"/>
+              <a:cs typeface="Times New Roman" panose="02020603050405020304" pitchFamily="18" charset="0"/>
+            </a:endParaRPr>
+          </a:p>
+          <a:p>
+            <a:endParaRPr lang="fr-FR" dirty="0">
+              <a:latin typeface="Times New Roman" panose="02020603050405020304" pitchFamily="18" charset="0"/>
+              <a:cs typeface="Times New Roman" panose="02020603050405020304" pitchFamily="18" charset="0"/>
+            </a:endParaRPr>
+          </a:p>
+        </p:txBody>
+      </p:sp>
+    </p:spTree>
+    <p:extLst>
+      <p:ext uri="{BB962C8B-B14F-4D97-AF65-F5344CB8AC3E}">
+        <p14:creationId xmlns:p14="http://schemas.microsoft.com/office/powerpoint/2010/main" val="347044321"/>
+      </p:ext>
+    </p:extLst>
+  </p:cSld>
+  <p:clrMapOvr>
+    <a:masterClrMapping/>
+  </p:clrMapOvr>
+</p:sld>
+</file>
+
+<file path=ppt/slides/slide5.xml><?xml version="1.0" encoding="utf-8"?>
+<p:sld xmlns:a="http://schemas.openxmlformats.org/drawingml/2006/main" xmlns:r="http://schemas.openxmlformats.org/officeDocument/2006/relationships" xmlns:p="http://schemas.openxmlformats.org/presentationml/2006/main">
+  <p:cSld>
+    <p:spTree>
+      <p:nvGrpSpPr>
+        <p:cNvPr id="1" name=""/>
+        <p:cNvGrpSpPr/>
+        <p:nvPr/>
+      </p:nvGrpSpPr>
+      <p:grpSpPr>
+        <a:xfrm>
+          <a:off x="0" y="0"/>
+          <a:ext cx="0" cy="0"/>
+          <a:chOff x="0" y="0"/>
+          <a:chExt cx="0" cy="0"/>
+        </a:xfrm>
+      </p:grpSpPr>
       <p:pic>
         <p:nvPicPr>
-          <p:cNvPr id="3" name="Immagine 2">
-            <a:extLst>
-              <a:ext uri="{FF2B5EF4-FFF2-40B4-BE49-F238E27FC236}">
-                <a16:creationId xmlns:a16="http://schemas.microsoft.com/office/drawing/2014/main" id="{2123274A-3584-12AD-4DA6-2E8CE794706D}"/>
+          <p:cNvPr id="6" name="Immagine 5">
+            <a:extLst>
+              <a:ext uri="{FF2B5EF4-FFF2-40B4-BE49-F238E27FC236}">
+                <a16:creationId xmlns:a16="http://schemas.microsoft.com/office/drawing/2014/main" id="{E705D22F-9CFE-95EE-E5C4-2DB6B2414827}"/>
               </a:ext>
             </a:extLst>
           </p:cNvPr>
@@ -3768,50 +4284,20 @@
         </p:blipFill>
         <p:spPr>
           <a:xfrm>
-            <a:off x="367487" y="1468861"/>
-            <a:ext cx="5236359" cy="4500554"/>
+            <a:off x="649885" y="480532"/>
+            <a:ext cx="6076950" cy="6115050"/>
           </a:xfrm>
           <a:prstGeom prst="rect">
             <a:avLst/>
           </a:prstGeom>
         </p:spPr>
       </p:pic>
-      <p:pic>
-        <p:nvPicPr>
-          <p:cNvPr id="7" name="Immagine 6">
-            <a:extLst>
-              <a:ext uri="{FF2B5EF4-FFF2-40B4-BE49-F238E27FC236}">
-                <a16:creationId xmlns:a16="http://schemas.microsoft.com/office/drawing/2014/main" id="{49B56BAF-2999-D2F0-534B-B68B70D819C8}"/>
-              </a:ext>
-            </a:extLst>
-          </p:cNvPr>
-          <p:cNvPicPr>
-            <a:picLocks noChangeAspect="1"/>
-          </p:cNvPicPr>
-          <p:nvPr/>
-        </p:nvPicPr>
-        <p:blipFill>
-          <a:blip r:embed="rId3"/>
-          <a:stretch>
-            <a:fillRect/>
-          </a:stretch>
-        </p:blipFill>
-        <p:spPr>
-          <a:xfrm>
-            <a:off x="5795949" y="2131327"/>
-            <a:ext cx="6210922" cy="3145348"/>
-          </a:xfrm>
-          <a:prstGeom prst="rect">
-            <a:avLst/>
-          </a:prstGeom>
-        </p:spPr>
-      </p:pic>
       <p:sp>
         <p:nvSpPr>
           <p:cNvPr id="8" name="Scorrimento orizzontale 7">
             <a:extLst>
               <a:ext uri="{FF2B5EF4-FFF2-40B4-BE49-F238E27FC236}">
-                <a16:creationId xmlns:a16="http://schemas.microsoft.com/office/drawing/2014/main" id="{A6636C07-9E94-EB7E-0B83-D9C83F9E6159}"/>
+                <a16:creationId xmlns:a16="http://schemas.microsoft.com/office/drawing/2014/main" id="{4DE5085F-94F7-0B1A-8759-AA28E793769F}"/>
               </a:ext>
             </a:extLst>
           </p:cNvPr>
@@ -3820,7 +4306,7 @@
         </p:nvSpPr>
         <p:spPr>
           <a:xfrm>
-            <a:off x="6801112" y="610038"/>
+            <a:off x="6954473" y="2845704"/>
             <a:ext cx="2541864" cy="971287"/>
           </a:xfrm>
           <a:prstGeom prst="horizontalScroll">
@@ -3847,6 +4333,457 @@
           <a:p>
             <a:pPr algn="ctr"/>
             <a:r>
+              <a:rPr lang="en-US" sz="1600" b="1" dirty="0"/>
+              <a:t>List of available functions </a:t>
+            </a:r>
+          </a:p>
+          <a:p>
+            <a:pPr algn="ctr"/>
+            <a:r>
+              <a:rPr lang="en-US" sz="1600" b="1" dirty="0"/>
+              <a:t>in the smart contract</a:t>
+            </a:r>
+            <a:endParaRPr lang="it-IT" sz="1600" b="1" dirty="0"/>
+          </a:p>
+          <a:p>
+            <a:pPr algn="ctr"/>
+            <a:endParaRPr lang="it-IT" dirty="0"/>
+          </a:p>
+        </p:txBody>
+      </p:sp>
+    </p:spTree>
+    <p:extLst>
+      <p:ext uri="{BB962C8B-B14F-4D97-AF65-F5344CB8AC3E}">
+        <p14:creationId xmlns:p14="http://schemas.microsoft.com/office/powerpoint/2010/main" val="61852505"/>
+      </p:ext>
+    </p:extLst>
+  </p:cSld>
+  <p:clrMapOvr>
+    <a:masterClrMapping/>
+  </p:clrMapOvr>
+</p:sld>
+</file>
+
+<file path=ppt/slides/slide6.xml><?xml version="1.0" encoding="utf-8"?>
+<p:sld xmlns:a="http://schemas.openxmlformats.org/drawingml/2006/main" xmlns:r="http://schemas.openxmlformats.org/officeDocument/2006/relationships" xmlns:p="http://schemas.openxmlformats.org/presentationml/2006/main">
+  <p:cSld>
+    <p:spTree>
+      <p:nvGrpSpPr>
+        <p:cNvPr id="1" name=""/>
+        <p:cNvGrpSpPr/>
+        <p:nvPr/>
+      </p:nvGrpSpPr>
+      <p:grpSpPr>
+        <a:xfrm>
+          <a:off x="0" y="0"/>
+          <a:ext cx="0" cy="0"/>
+          <a:chOff x="0" y="0"/>
+          <a:chExt cx="0" cy="0"/>
+        </a:xfrm>
+      </p:grpSpPr>
+      <p:pic>
+        <p:nvPicPr>
+          <p:cNvPr id="5" name="Immagine 4">
+            <a:extLst>
+              <a:ext uri="{FF2B5EF4-FFF2-40B4-BE49-F238E27FC236}">
+                <a16:creationId xmlns:a16="http://schemas.microsoft.com/office/drawing/2014/main" id="{286E1D24-D0CC-D7CF-F3B6-FD79720A9B94}"/>
+              </a:ext>
+            </a:extLst>
+          </p:cNvPr>
+          <p:cNvPicPr>
+            <a:picLocks noChangeAspect="1"/>
+          </p:cNvPicPr>
+          <p:nvPr/>
+        </p:nvPicPr>
+        <p:blipFill>
+          <a:blip r:embed="rId2"/>
+          <a:stretch>
+            <a:fillRect/>
+          </a:stretch>
+        </p:blipFill>
+        <p:spPr>
+          <a:xfrm>
+            <a:off x="721671" y="370776"/>
+            <a:ext cx="5184179" cy="4797735"/>
+          </a:xfrm>
+          <a:prstGeom prst="rect">
+            <a:avLst/>
+          </a:prstGeom>
+        </p:spPr>
+      </p:pic>
+      <p:sp>
+        <p:nvSpPr>
+          <p:cNvPr id="6" name="Scorrimento orizzontale 5">
+            <a:extLst>
+              <a:ext uri="{FF2B5EF4-FFF2-40B4-BE49-F238E27FC236}">
+                <a16:creationId xmlns:a16="http://schemas.microsoft.com/office/drawing/2014/main" id="{FAF086D0-EBDF-E2A1-C843-EFB8CD818409}"/>
+              </a:ext>
+            </a:extLst>
+          </p:cNvPr>
+          <p:cNvSpPr/>
+          <p:nvPr/>
+        </p:nvSpPr>
+        <p:spPr>
+          <a:xfrm>
+            <a:off x="1937857" y="5446291"/>
+            <a:ext cx="2541864" cy="971287"/>
+          </a:xfrm>
+          <a:prstGeom prst="horizontalScroll">
+            <a:avLst/>
+          </a:prstGeom>
+        </p:spPr>
+        <p:style>
+          <a:lnRef idx="3">
+            <a:schemeClr val="lt1"/>
+          </a:lnRef>
+          <a:fillRef idx="1">
+            <a:schemeClr val="accent6"/>
+          </a:fillRef>
+          <a:effectRef idx="1">
+            <a:schemeClr val="accent6"/>
+          </a:effectRef>
+          <a:fontRef idx="minor">
+            <a:schemeClr val="lt1"/>
+          </a:fontRef>
+        </p:style>
+        <p:txBody>
+          <a:bodyPr rtlCol="0" anchor="ctr"/>
+          <a:lstStyle/>
+          <a:p>
+            <a:pPr algn="ctr"/>
+            <a:r>
+              <a:rPr lang="it-IT" sz="1600" b="1" dirty="0" err="1"/>
+              <a:t>getAllPatients</a:t>
+            </a:r>
+            <a:endParaRPr lang="it-IT" sz="1600" b="1" dirty="0"/>
+          </a:p>
+          <a:p>
+            <a:pPr algn="ctr"/>
+            <a:r>
+              <a:rPr lang="it-IT" sz="1600" b="1" dirty="0" err="1"/>
+              <a:t>Function</a:t>
+            </a:r>
+            <a:r>
+              <a:rPr lang="it-IT" sz="1600" b="1" dirty="0"/>
+              <a:t> call</a:t>
+            </a:r>
+          </a:p>
+          <a:p>
+            <a:pPr algn="ctr"/>
+            <a:endParaRPr lang="it-IT" dirty="0"/>
+          </a:p>
+        </p:txBody>
+      </p:sp>
+      <p:pic>
+        <p:nvPicPr>
+          <p:cNvPr id="7" name="Immagine 6">
+            <a:extLst>
+              <a:ext uri="{FF2B5EF4-FFF2-40B4-BE49-F238E27FC236}">
+                <a16:creationId xmlns:a16="http://schemas.microsoft.com/office/drawing/2014/main" id="{6EFB1E86-CA2D-6383-A706-6A823F4273A0}"/>
+              </a:ext>
+            </a:extLst>
+          </p:cNvPr>
+          <p:cNvPicPr>
+            <a:picLocks noChangeAspect="1"/>
+          </p:cNvPicPr>
+          <p:nvPr/>
+        </p:nvPicPr>
+        <p:blipFill rotWithShape="1">
+          <a:blip r:embed="rId3"/>
+          <a:srcRect r="62084"/>
+          <a:stretch/>
+        </p:blipFill>
+        <p:spPr>
+          <a:xfrm>
+            <a:off x="6286152" y="456020"/>
+            <a:ext cx="5491991" cy="5826023"/>
+          </a:xfrm>
+          <a:prstGeom prst="rect">
+            <a:avLst/>
+          </a:prstGeom>
+        </p:spPr>
+      </p:pic>
+    </p:spTree>
+    <p:extLst>
+      <p:ext uri="{BB962C8B-B14F-4D97-AF65-F5344CB8AC3E}">
+        <p14:creationId xmlns:p14="http://schemas.microsoft.com/office/powerpoint/2010/main" val="79182835"/>
+      </p:ext>
+    </p:extLst>
+  </p:cSld>
+  <p:clrMapOvr>
+    <a:masterClrMapping/>
+  </p:clrMapOvr>
+</p:sld>
+</file>
+
+<file path=ppt/slides/slide7.xml><?xml version="1.0" encoding="utf-8"?>
+<p:sld xmlns:a="http://schemas.openxmlformats.org/drawingml/2006/main" xmlns:r="http://schemas.openxmlformats.org/officeDocument/2006/relationships" xmlns:p="http://schemas.openxmlformats.org/presentationml/2006/main">
+  <p:cSld>
+    <p:spTree>
+      <p:nvGrpSpPr>
+        <p:cNvPr id="1" name=""/>
+        <p:cNvGrpSpPr/>
+        <p:nvPr/>
+      </p:nvGrpSpPr>
+      <p:grpSpPr>
+        <a:xfrm>
+          <a:off x="0" y="0"/>
+          <a:ext cx="0" cy="0"/>
+          <a:chOff x="0" y="0"/>
+          <a:chExt cx="0" cy="0"/>
+        </a:xfrm>
+      </p:grpSpPr>
+      <p:pic>
+        <p:nvPicPr>
+          <p:cNvPr id="4" name="Immagine 3">
+            <a:extLst>
+              <a:ext uri="{FF2B5EF4-FFF2-40B4-BE49-F238E27FC236}">
+                <a16:creationId xmlns:a16="http://schemas.microsoft.com/office/drawing/2014/main" id="{ADD4BBBB-56E1-C207-EA1F-7785A7C8A8FC}"/>
+              </a:ext>
+            </a:extLst>
+          </p:cNvPr>
+          <p:cNvPicPr>
+            <a:picLocks noChangeAspect="1"/>
+          </p:cNvPicPr>
+          <p:nvPr/>
+        </p:nvPicPr>
+        <p:blipFill>
+          <a:blip r:embed="rId2"/>
+          <a:stretch>
+            <a:fillRect/>
+          </a:stretch>
+        </p:blipFill>
+        <p:spPr>
+          <a:xfrm>
+            <a:off x="1306192" y="1149291"/>
+            <a:ext cx="5243362" cy="4831971"/>
+          </a:xfrm>
+          <a:prstGeom prst="rect">
+            <a:avLst/>
+          </a:prstGeom>
+        </p:spPr>
+      </p:pic>
+      <p:pic>
+        <p:nvPicPr>
+          <p:cNvPr id="6" name="Immagine 5">
+            <a:extLst>
+              <a:ext uri="{FF2B5EF4-FFF2-40B4-BE49-F238E27FC236}">
+                <a16:creationId xmlns:a16="http://schemas.microsoft.com/office/drawing/2014/main" id="{0CA910E2-E4AA-6CFF-D3B5-2A5996C045B1}"/>
+              </a:ext>
+            </a:extLst>
+          </p:cNvPr>
+          <p:cNvPicPr>
+            <a:picLocks noChangeAspect="1"/>
+          </p:cNvPicPr>
+          <p:nvPr/>
+        </p:nvPicPr>
+        <p:blipFill>
+          <a:blip r:embed="rId3"/>
+          <a:stretch>
+            <a:fillRect/>
+          </a:stretch>
+        </p:blipFill>
+        <p:spPr>
+          <a:xfrm>
+            <a:off x="7287674" y="2819399"/>
+            <a:ext cx="4745208" cy="1526097"/>
+          </a:xfrm>
+          <a:prstGeom prst="rect">
+            <a:avLst/>
+          </a:prstGeom>
+        </p:spPr>
+      </p:pic>
+      <p:sp>
+        <p:nvSpPr>
+          <p:cNvPr id="7" name="Scorrimento orizzontale 6">
+            <a:extLst>
+              <a:ext uri="{FF2B5EF4-FFF2-40B4-BE49-F238E27FC236}">
+                <a16:creationId xmlns:a16="http://schemas.microsoft.com/office/drawing/2014/main" id="{DCFE4CD8-A836-78C8-C8A0-527828EC1746}"/>
+              </a:ext>
+            </a:extLst>
+          </p:cNvPr>
+          <p:cNvSpPr/>
+          <p:nvPr/>
+        </p:nvSpPr>
+        <p:spPr>
+          <a:xfrm>
+            <a:off x="7287674" y="1327297"/>
+            <a:ext cx="2541864" cy="971287"/>
+          </a:xfrm>
+          <a:prstGeom prst="horizontalScroll">
+            <a:avLst/>
+          </a:prstGeom>
+        </p:spPr>
+        <p:style>
+          <a:lnRef idx="3">
+            <a:schemeClr val="lt1"/>
+          </a:lnRef>
+          <a:fillRef idx="1">
+            <a:schemeClr val="accent6"/>
+          </a:fillRef>
+          <a:effectRef idx="1">
+            <a:schemeClr val="accent6"/>
+          </a:effectRef>
+          <a:fontRef idx="minor">
+            <a:schemeClr val="lt1"/>
+          </a:fontRef>
+        </p:style>
+        <p:txBody>
+          <a:bodyPr rtlCol="0" anchor="ctr"/>
+          <a:lstStyle/>
+          <a:p>
+            <a:pPr algn="ctr"/>
+            <a:r>
+              <a:rPr lang="it-IT" sz="1600" b="1" dirty="0" err="1"/>
+              <a:t>Patient</a:t>
+            </a:r>
+            <a:r>
+              <a:rPr lang="it-IT" sz="1600" b="1" dirty="0"/>
+              <a:t> </a:t>
+            </a:r>
+            <a:r>
+              <a:rPr lang="it-IT" sz="1600" b="1" dirty="0" err="1"/>
+              <a:t>Registration</a:t>
+            </a:r>
+            <a:endParaRPr lang="it-IT" sz="1600" b="1" dirty="0"/>
+          </a:p>
+          <a:p>
+            <a:pPr algn="ctr"/>
+            <a:endParaRPr lang="it-IT" dirty="0"/>
+          </a:p>
+        </p:txBody>
+      </p:sp>
+    </p:spTree>
+    <p:extLst>
+      <p:ext uri="{BB962C8B-B14F-4D97-AF65-F5344CB8AC3E}">
+        <p14:creationId xmlns:p14="http://schemas.microsoft.com/office/powerpoint/2010/main" val="882778128"/>
+      </p:ext>
+    </p:extLst>
+  </p:cSld>
+  <p:clrMapOvr>
+    <a:masterClrMapping/>
+  </p:clrMapOvr>
+</p:sld>
+</file>
+
+<file path=ppt/slides/slide8.xml><?xml version="1.0" encoding="utf-8"?>
+<p:sld xmlns:a="http://schemas.openxmlformats.org/drawingml/2006/main" xmlns:r="http://schemas.openxmlformats.org/officeDocument/2006/relationships" xmlns:p="http://schemas.openxmlformats.org/presentationml/2006/main">
+  <p:cSld>
+    <p:spTree>
+      <p:nvGrpSpPr>
+        <p:cNvPr id="1" name=""/>
+        <p:cNvGrpSpPr/>
+        <p:nvPr/>
+      </p:nvGrpSpPr>
+      <p:grpSpPr>
+        <a:xfrm>
+          <a:off x="0" y="0"/>
+          <a:ext cx="0" cy="0"/>
+          <a:chOff x="0" y="0"/>
+          <a:chExt cx="0" cy="0"/>
+        </a:xfrm>
+      </p:grpSpPr>
+      <p:pic>
+        <p:nvPicPr>
+          <p:cNvPr id="3" name="Immagine 2">
+            <a:extLst>
+              <a:ext uri="{FF2B5EF4-FFF2-40B4-BE49-F238E27FC236}">
+                <a16:creationId xmlns:a16="http://schemas.microsoft.com/office/drawing/2014/main" id="{2123274A-3584-12AD-4DA6-2E8CE794706D}"/>
+              </a:ext>
+            </a:extLst>
+          </p:cNvPr>
+          <p:cNvPicPr>
+            <a:picLocks noChangeAspect="1"/>
+          </p:cNvPicPr>
+          <p:nvPr/>
+        </p:nvPicPr>
+        <p:blipFill>
+          <a:blip r:embed="rId2"/>
+          <a:stretch>
+            <a:fillRect/>
+          </a:stretch>
+        </p:blipFill>
+        <p:spPr>
+          <a:xfrm>
+            <a:off x="367487" y="1468861"/>
+            <a:ext cx="5236359" cy="4500554"/>
+          </a:xfrm>
+          <a:prstGeom prst="rect">
+            <a:avLst/>
+          </a:prstGeom>
+        </p:spPr>
+      </p:pic>
+      <p:pic>
+        <p:nvPicPr>
+          <p:cNvPr id="7" name="Immagine 6">
+            <a:extLst>
+              <a:ext uri="{FF2B5EF4-FFF2-40B4-BE49-F238E27FC236}">
+                <a16:creationId xmlns:a16="http://schemas.microsoft.com/office/drawing/2014/main" id="{49B56BAF-2999-D2F0-534B-B68B70D819C8}"/>
+              </a:ext>
+            </a:extLst>
+          </p:cNvPr>
+          <p:cNvPicPr>
+            <a:picLocks noChangeAspect="1"/>
+          </p:cNvPicPr>
+          <p:nvPr/>
+        </p:nvPicPr>
+        <p:blipFill>
+          <a:blip r:embed="rId3"/>
+          <a:stretch>
+            <a:fillRect/>
+          </a:stretch>
+        </p:blipFill>
+        <p:spPr>
+          <a:xfrm>
+            <a:off x="5795949" y="2131327"/>
+            <a:ext cx="6210922" cy="3145348"/>
+          </a:xfrm>
+          <a:prstGeom prst="rect">
+            <a:avLst/>
+          </a:prstGeom>
+        </p:spPr>
+      </p:pic>
+      <p:sp>
+        <p:nvSpPr>
+          <p:cNvPr id="8" name="Scorrimento orizzontale 7">
+            <a:extLst>
+              <a:ext uri="{FF2B5EF4-FFF2-40B4-BE49-F238E27FC236}">
+                <a16:creationId xmlns:a16="http://schemas.microsoft.com/office/drawing/2014/main" id="{A6636C07-9E94-EB7E-0B83-D9C83F9E6159}"/>
+              </a:ext>
+            </a:extLst>
+          </p:cNvPr>
+          <p:cNvSpPr/>
+          <p:nvPr/>
+        </p:nvSpPr>
+        <p:spPr>
+          <a:xfrm>
+            <a:off x="6801112" y="610038"/>
+            <a:ext cx="2541864" cy="971287"/>
+          </a:xfrm>
+          <a:prstGeom prst="horizontalScroll">
+            <a:avLst/>
+          </a:prstGeom>
+        </p:spPr>
+        <p:style>
+          <a:lnRef idx="3">
+            <a:schemeClr val="lt1"/>
+          </a:lnRef>
+          <a:fillRef idx="1">
+            <a:schemeClr val="accent6"/>
+          </a:fillRef>
+          <a:effectRef idx="1">
+            <a:schemeClr val="accent6"/>
+          </a:effectRef>
+          <a:fontRef idx="minor">
+            <a:schemeClr val="lt1"/>
+          </a:fontRef>
+        </p:style>
+        <p:txBody>
+          <a:bodyPr rtlCol="0" anchor="ctr"/>
+          <a:lstStyle/>
+          <a:p>
+            <a:pPr algn="ctr"/>
+            <a:r>
               <a:rPr lang="it-IT" sz="1600" b="1" dirty="0"/>
               <a:t>Check</a:t>
             </a:r>
@@ -3886,7 +4823,7 @@
 </p:sld>
 </file>
 
-<file path=ppt/slides/slide5.xml><?xml version="1.0" encoding="utf-8"?>
+<file path=ppt/slides/slide9.xml><?xml version="1.0" encoding="utf-8"?>
 <p:sld xmlns:a="http://schemas.openxmlformats.org/drawingml/2006/main" xmlns:r="http://schemas.openxmlformats.org/officeDocument/2006/relationships" xmlns:p="http://schemas.openxmlformats.org/presentationml/2006/main" show="0">
   <p:cSld>
     <p:spTree>
@@ -3942,6 +4879,14 @@
   <p:clrMapOvr>
     <a:masterClrMapping/>
   </p:clrMapOvr>
+  <mc:AlternateContent xmlns:mc="http://schemas.openxmlformats.org/markup-compatibility/2006">
+    <mc:Choice xmlns:p14="http://schemas.microsoft.com/office/powerpoint/2010/main" Requires="p14">
+      <p:transition spd="slow" p14:dur="2000"/>
+    </mc:Choice>
+    <mc:Fallback>
+      <p:transition spd="slow"/>
+    </mc:Fallback>
+  </mc:AlternateContent>
 </p:sld>
 </file>
 
